--- a/ties4911-task02-YanrenQu.pptx
+++ b/ties4911-task02-YanrenQu.pptx
@@ -6391,14 +6391,14 @@
           <p:nvPr>
             <p:extLst>
               <p:ext uri="{D42A27DB-BD31-4B8C-83A1-F6EECF244321}">
-                <p14:modId xmlns:p14="http://schemas.microsoft.com/office/powerpoint/2010/main" val="566650957"/>
+                <p14:modId xmlns:p14="http://schemas.microsoft.com/office/powerpoint/2010/main" val="3198424164"/>
               </p:ext>
             </p:extLst>
           </p:nvPr>
         </p:nvGraphicFramePr>
         <p:xfrm>
           <a:off x="1568363" y="4003288"/>
-          <a:ext cx="7472959" cy="2328048"/>
+          <a:ext cx="7472959" cy="2236632"/>
         </p:xfrm>
         <a:graphic>
           <a:graphicData uri="http://schemas.openxmlformats.org/drawingml/2006/table">
@@ -6499,7 +6499,7 @@
                   </a:ext>
                 </a:extLst>
               </a:tr>
-              <a:tr h="388008">
+              <a:tr h="356195">
                 <a:tc>
                   <a:txBody>
                     <a:bodyPr/>
@@ -6569,7 +6569,7 @@
                   </a:ext>
                 </a:extLst>
               </a:tr>
-              <a:tr h="388008">
+              <a:tr h="328405">
                 <a:tc>
                   <a:txBody>
                     <a:bodyPr/>
@@ -6668,12 +6668,12 @@
                     <a:p>
                       <a:pPr algn="just"/>
                       <a:r>
-                        <a:rPr lang="en-US" sz="1200">
+                        <a:rPr lang="en-US" sz="1200" dirty="0">
                           <a:effectLst/>
                         </a:rPr>
                         <a:t>0.0874</a:t>
                       </a:r>
-                      <a:endParaRPr lang="zh-CN" sz="1200">
+                      <a:endParaRPr lang="zh-CN" sz="1200" dirty="0">
                         <a:effectLst/>
                         <a:latin typeface="Times New Roman" panose="02020603050405020304" pitchFamily="18" charset="0"/>
                         <a:ea typeface="宋体" panose="02010600030101010101" pitchFamily="2" charset="-122"/>
@@ -6759,12 +6759,12 @@
                     <a:p>
                       <a:pPr algn="just"/>
                       <a:r>
-                        <a:rPr lang="en-US" sz="1200">
+                        <a:rPr lang="en-US" sz="1200" dirty="0">
                           <a:effectLst/>
                         </a:rPr>
                         <a:t> </a:t>
                       </a:r>
-                      <a:endParaRPr lang="zh-CN" sz="1200">
+                      <a:endParaRPr lang="zh-CN" sz="1200" dirty="0">
                         <a:effectLst/>
                         <a:latin typeface="Times New Roman" panose="02020603050405020304" pitchFamily="18" charset="0"/>
                         <a:ea typeface="宋体" panose="02010600030101010101" pitchFamily="2" charset="-122"/>
